--- a/doc/arch.pptx
+++ b/doc/arch.pptx
@@ -2966,14 +2966,14 @@
       </p:grpSpPr>
       <p:sp>
         <p:nvSpPr>
-          <p:cNvPr id="4" name="矩形 3"/>
+          <p:cNvPr id="5" name="矩形 4"/>
           <p:cNvSpPr/>
           <p:nvPr/>
         </p:nvSpPr>
         <p:spPr>
           <a:xfrm>
-            <a:off x="4937369" y="2306711"/>
-            <a:ext cx="1805354" cy="762000"/>
+            <a:off x="904889" y="3649003"/>
+            <a:ext cx="1840524" cy="621323"/>
           </a:xfrm>
           <a:prstGeom prst="rect">
             <a:avLst/>
@@ -3002,7 +3002,7 @@
             <a:pPr algn="ctr"/>
             <a:r>
               <a:rPr lang="en-US" altLang="zh-CN" dirty="0" err="1" smtClean="0"/>
-              <a:t>controler</a:t>
+              <a:t>mesher</a:t>
             </a:r>
             <a:endParaRPr lang="zh-CN" altLang="en-US" dirty="0"/>
           </a:p>
@@ -3010,14 +3010,14 @@
       </p:sp>
       <p:sp>
         <p:nvSpPr>
-          <p:cNvPr id="5" name="矩形 4"/>
+          <p:cNvPr id="6" name="矩形 5"/>
           <p:cNvSpPr/>
           <p:nvPr/>
         </p:nvSpPr>
         <p:spPr>
           <a:xfrm>
-            <a:off x="904889" y="3649003"/>
-            <a:ext cx="1840524" cy="621323"/>
+            <a:off x="904889" y="2589945"/>
+            <a:ext cx="1840524" cy="736209"/>
           </a:xfrm>
           <a:prstGeom prst="rect">
             <a:avLst/>
@@ -3045,50 +3045,6 @@
           <a:p>
             <a:pPr algn="ctr"/>
             <a:r>
-              <a:rPr lang="en-US" altLang="zh-CN" dirty="0" err="1" smtClean="0"/>
-              <a:t>mesher</a:t>
-            </a:r>
-            <a:endParaRPr lang="zh-CN" altLang="en-US" dirty="0"/>
-          </a:p>
-        </p:txBody>
-      </p:sp>
-      <p:sp>
-        <p:nvSpPr>
-          <p:cNvPr id="6" name="矩形 5"/>
-          <p:cNvSpPr/>
-          <p:nvPr/>
-        </p:nvSpPr>
-        <p:spPr>
-          <a:xfrm>
-            <a:off x="904889" y="2589945"/>
-            <a:ext cx="1840524" cy="736209"/>
-          </a:xfrm>
-          <a:prstGeom prst="rect">
-            <a:avLst/>
-          </a:prstGeom>
-        </p:spPr>
-        <p:style>
-          <a:lnRef idx="2">
-            <a:schemeClr val="accent1">
-              <a:shade val="50000"/>
-            </a:schemeClr>
-          </a:lnRef>
-          <a:fillRef idx="1">
-            <a:schemeClr val="accent1"/>
-          </a:fillRef>
-          <a:effectRef idx="0">
-            <a:schemeClr val="accent1"/>
-          </a:effectRef>
-          <a:fontRef idx="minor">
-            <a:schemeClr val="lt1"/>
-          </a:fontRef>
-        </p:style>
-        <p:txBody>
-          <a:bodyPr rtlCol="0" anchor="ctr"/>
-          <a:lstStyle/>
-          <a:p>
-            <a:pPr algn="ctr"/>
-            <a:r>
               <a:rPr lang="en-US" altLang="zh-CN" dirty="0" smtClean="0"/>
               <a:t>App1</a:t>
             </a:r>
@@ -3103,7 +3059,7 @@
         </p:nvSpPr>
         <p:spPr>
           <a:xfrm>
-            <a:off x="5089769" y="2459111"/>
+            <a:off x="4940495" y="2334609"/>
             <a:ext cx="1805354" cy="762000"/>
           </a:xfrm>
           <a:prstGeom prst="rect">
@@ -3350,14 +3306,14 @@
           <p:cNvPr id="17" name="直接箭头连接符 16"/>
           <p:cNvCxnSpPr>
             <a:stCxn id="10" idx="2"/>
-            <a:endCxn id="4" idx="0"/>
+            <a:endCxn id="7" idx="0"/>
           </p:cNvCxnSpPr>
           <p:nvPr/>
         </p:nvCxnSpPr>
         <p:spPr>
-          <a:xfrm flipH="1">
-            <a:off x="5840046" y="1785034"/>
-            <a:ext cx="3126" cy="521677"/>
+          <a:xfrm>
+            <a:off x="5843172" y="1785034"/>
+            <a:ext cx="0" cy="549575"/>
           </a:xfrm>
           <a:prstGeom prst="straightConnector1">
             <a:avLst/>
@@ -3642,8 +3598,8 @@
         </p:nvCxnSpPr>
         <p:spPr>
           <a:xfrm rot="10800000" flipV="1">
-            <a:off x="2745413" y="2840111"/>
-            <a:ext cx="2344356" cy="1119554"/>
+            <a:off x="2745413" y="2715609"/>
+            <a:ext cx="2195082" cy="1244056"/>
           </a:xfrm>
           <a:prstGeom prst="bentConnector3">
             <a:avLst/>
@@ -3679,8 +3635,8 @@
         </p:nvCxnSpPr>
         <p:spPr>
           <a:xfrm>
-            <a:off x="6895123" y="2840111"/>
-            <a:ext cx="2059199" cy="1119554"/>
+            <a:off x="6745849" y="2715609"/>
+            <a:ext cx="2208473" cy="1244056"/>
           </a:xfrm>
           <a:prstGeom prst="bentConnector3">
             <a:avLst/>
@@ -3837,7 +3793,7 @@
             </p:nvSpPr>
             <p:spPr>
               <a:xfrm>
-                <a:off x="5992446" y="4580626"/>
+                <a:off x="5731776" y="4706982"/>
                 <a:ext cx="365806" cy="369332"/>
               </a:xfrm>
               <a:prstGeom prst="rect">
@@ -3882,7 +3838,7 @@
             </p:nvSpPr>
             <p:spPr>
               <a:xfrm>
-                <a:off x="5992446" y="4580626"/>
+                <a:off x="5731776" y="4706982"/>
                 <a:ext cx="365806" cy="369332"/>
               </a:xfrm>
               <a:prstGeom prst="rect">
